--- a/presentation/IntroToChef.pptx
+++ b/presentation/IntroToChef.pptx
@@ -16,9 +16,13 @@
     <p:sldId id="261" r:id="rId10"/>
     <p:sldId id="262" r:id="rId11"/>
     <p:sldId id="269" r:id="rId12"/>
-    <p:sldId id="266" r:id="rId13"/>
-    <p:sldId id="263" r:id="rId14"/>
-    <p:sldId id="265" r:id="rId15"/>
+    <p:sldId id="270" r:id="rId13"/>
+    <p:sldId id="272" r:id="rId14"/>
+    <p:sldId id="266" r:id="rId15"/>
+    <p:sldId id="273" r:id="rId16"/>
+    <p:sldId id="263" r:id="rId17"/>
+    <p:sldId id="265" r:id="rId18"/>
+    <p:sldId id="271" r:id="rId19"/>
   </p:sldIdLst>
   <p:sldSz cx="9144000" cy="6858000" type="screen4x3"/>
   <p:notesSz cx="6858000" cy="9144000"/>
@@ -3394,8 +3398,27 @@
             </a:r>
             <a:r>
               <a:rPr lang="en-US" dirty="0" smtClean="0"/>
-              <a:t> file private key is required to interact with chef server</a:t>
-            </a:r>
+              <a:t> file private key is required to interact with chef </a:t>
+            </a:r>
+            <a:r>
+              <a:rPr lang="en-US" dirty="0" smtClean="0"/>
+              <a:t>server as a user</a:t>
+            </a:r>
+          </a:p>
+          <a:p>
+            <a:r>
+              <a:rPr lang="en-US" dirty="0" smtClean="0"/>
+              <a:t>A client </a:t>
+            </a:r>
+            <a:r>
+              <a:rPr lang="en-US" dirty="0" err="1" smtClean="0"/>
+              <a:t>pem</a:t>
+            </a:r>
+            <a:r>
+              <a:rPr lang="en-US" dirty="0" smtClean="0"/>
+              <a:t> file private key is required for nodes to interact with the chef server</a:t>
+            </a:r>
+            <a:endParaRPr lang="en-US" dirty="0" smtClean="0"/>
           </a:p>
           <a:p>
             <a:r>
@@ -3463,7 +3486,7 @@
           <a:p>
             <a:r>
               <a:rPr lang="en-US" dirty="0" smtClean="0"/>
-              <a:t>Using knife</a:t>
+              <a:t>Setting up a chef node</a:t>
             </a:r>
             <a:endParaRPr lang="en-US" dirty="0"/>
           </a:p>
@@ -3481,67 +3504,128 @@
         </p:nvSpPr>
         <p:spPr/>
         <p:txBody>
-          <a:bodyPr/>
-          <a:lstStyle/>
-          <a:p>
+          <a:bodyPr>
+            <a:normAutofit lnSpcReduction="10000"/>
+          </a:bodyPr>
+          <a:lstStyle/>
+          <a:p>
+            <a:r>
+              <a:rPr lang="en-US" dirty="0" smtClean="0"/>
+              <a:t>Install chef, e.g.</a:t>
+            </a:r>
+          </a:p>
+          <a:p>
+            <a:pPr lvl="1"/>
             <a:r>
               <a:rPr lang="en-US" dirty="0"/>
-              <a:t>k</a:t>
-            </a:r>
-            <a:r>
-              <a:rPr lang="en-US" dirty="0" smtClean="0"/>
-              <a:t>nife is the CLI tool for chef server</a:t>
+              <a:t>c</a:t>
+            </a:r>
+            <a:r>
+              <a:rPr lang="en-US" dirty="0" smtClean="0"/>
+              <a:t>url –L https</a:t>
+            </a:r>
+            <a:r>
+              <a:rPr lang="en-US" dirty="0"/>
+              <a:t>://</a:t>
+            </a:r>
+            <a:r>
+              <a:rPr lang="en-US" dirty="0" err="1"/>
+              <a:t>www.chef.io</a:t>
+            </a:r>
+            <a:r>
+              <a:rPr lang="en-US" dirty="0"/>
+              <a:t>/chef/</a:t>
+            </a:r>
+            <a:r>
+              <a:rPr lang="en-US" dirty="0" err="1"/>
+              <a:t>install.sh</a:t>
+            </a:r>
+            <a:r>
+              <a:rPr lang="en-US" dirty="0"/>
+              <a:t> | </a:t>
+            </a:r>
+            <a:r>
+              <a:rPr lang="en-US" dirty="0" err="1"/>
+              <a:t>sudo</a:t>
+            </a:r>
+            <a:r>
+              <a:rPr lang="en-US" dirty="0"/>
+              <a:t> </a:t>
+            </a:r>
+            <a:r>
+              <a:rPr lang="en-US" dirty="0" smtClean="0"/>
+              <a:t>bash</a:t>
+            </a:r>
+          </a:p>
+          <a:p>
+            <a:r>
+              <a:rPr lang="en-US" dirty="0" smtClean="0"/>
+              <a:t>Set up </a:t>
+            </a:r>
+            <a:r>
+              <a:rPr lang="en-US" dirty="0" err="1" smtClean="0"/>
+              <a:t>client.rb</a:t>
+            </a:r>
+            <a:r>
+              <a:rPr lang="en-US" dirty="0" smtClean="0"/>
+              <a:t>, </a:t>
+            </a:r>
+            <a:r>
+              <a:rPr lang="en-US" dirty="0" err="1" smtClean="0"/>
+              <a:t>validation.pem</a:t>
+            </a:r>
+            <a:r>
+              <a:rPr lang="en-US" dirty="0" smtClean="0"/>
+              <a:t>, and a </a:t>
+            </a:r>
+            <a:r>
+              <a:rPr lang="en-US" dirty="0" err="1" smtClean="0"/>
+              <a:t>runlist</a:t>
+            </a:r>
+            <a:r>
+              <a:rPr lang="en-US" dirty="0" smtClean="0"/>
+              <a:t> </a:t>
+            </a:r>
+            <a:r>
+              <a:rPr lang="en-US" dirty="0" err="1" smtClean="0"/>
+              <a:t>json</a:t>
+            </a:r>
+            <a:r>
+              <a:rPr lang="en-US" dirty="0" smtClean="0"/>
+              <a:t> file</a:t>
+            </a:r>
+          </a:p>
+          <a:p>
+            <a:r>
+              <a:rPr lang="en-US" dirty="0" smtClean="0"/>
+              <a:t>Run chef, e.g.</a:t>
             </a:r>
           </a:p>
           <a:p>
             <a:pPr lvl="1"/>
             <a:r>
               <a:rPr lang="en-US" dirty="0" smtClean="0"/>
-              <a:t>Requires a proper ruby setup, </a:t>
+              <a:t># chef-client –E </a:t>
             </a:r>
             <a:r>
               <a:rPr lang="en-US" dirty="0" err="1" smtClean="0"/>
-              <a:t>chefdk</a:t>
-            </a:r>
-            <a:r>
-              <a:rPr lang="en-US" dirty="0" smtClean="0"/>
-              <a:t> will take care of this</a:t>
-            </a:r>
-          </a:p>
-          <a:p>
-            <a:r>
-              <a:rPr lang="en-US" dirty="0" smtClean="0"/>
-              <a:t>Is configured via </a:t>
+              <a:t>env</a:t>
+            </a:r>
+            <a:r>
+              <a:rPr lang="en-US" dirty="0" smtClean="0"/>
+              <a:t> –j </a:t>
             </a:r>
             <a:r>
               <a:rPr lang="en-US" dirty="0" err="1" smtClean="0"/>
-              <a:t>knife.rb</a:t>
-            </a:r>
-            <a:r>
-              <a:rPr lang="en-US" dirty="0" smtClean="0"/>
-              <a:t> in your .chef directory</a:t>
-            </a:r>
-          </a:p>
-          <a:p>
-            <a:r>
-              <a:rPr lang="en-US" dirty="0" smtClean="0"/>
-              <a:t>Supports plugins to do all kinds of things</a:t>
-            </a:r>
-          </a:p>
-          <a:p>
-            <a:pPr lvl="1"/>
-            <a:r>
-              <a:rPr lang="en-US" dirty="0" smtClean="0">
-                <a:hlinkClick r:id="rId2"/>
-              </a:rPr>
-              <a:t>https://docs.chef.io/community_plugin_knife.html</a:t>
+              <a:t>runlist.json</a:t>
             </a:r>
             <a:endParaRPr lang="en-US" dirty="0" smtClean="0"/>
           </a:p>
           <a:p>
-            <a:endParaRPr lang="en-US" dirty="0" smtClean="0"/>
-          </a:p>
-          <a:p>
+            <a:r>
+              <a:rPr lang="en-US" dirty="0" smtClean="0"/>
+              <a:t>Ideally this is all automated at node creation (e.g. user data, knife bootstrap, knife ec2)</a:t>
+            </a:r>
             <a:endParaRPr lang="en-US" dirty="0"/>
           </a:p>
         </p:txBody>
@@ -3549,7 +3633,7 @@
     </p:spTree>
     <p:extLst>
       <p:ext uri="{BB962C8B-B14F-4D97-AF65-F5344CB8AC3E}">
-        <p14:creationId xmlns:p14="http://schemas.microsoft.com/office/powerpoint/2010/main" val="1605346782"/>
+        <p14:creationId xmlns:p14="http://schemas.microsoft.com/office/powerpoint/2010/main" val="2129698663"/>
       </p:ext>
     </p:extLst>
   </p:cSld>
@@ -3593,7 +3677,7 @@
           <a:p>
             <a:r>
               <a:rPr lang="en-US" dirty="0" smtClean="0"/>
-              <a:t>Chef Server Concepts</a:t>
+              <a:t>Chef solo</a:t>
             </a:r>
             <a:endParaRPr lang="en-US" dirty="0"/>
           </a:p>
@@ -3616,25 +3700,50 @@
           <a:p>
             <a:r>
               <a:rPr lang="en-US" dirty="0" smtClean="0"/>
-              <a:t>Organization</a:t>
-            </a:r>
-          </a:p>
-          <a:p>
-            <a:r>
-              <a:rPr lang="en-US" dirty="0" smtClean="0"/>
-              <a:t>Environment</a:t>
-            </a:r>
-          </a:p>
-          <a:p>
-            <a:r>
-              <a:rPr lang="en-US" dirty="0" smtClean="0"/>
-              <a:t>Role</a:t>
-            </a:r>
-          </a:p>
-          <a:p>
-            <a:r>
-              <a:rPr lang="en-US" dirty="0" smtClean="0"/>
-              <a:t>Data bag (with encrypted variant)</a:t>
+              <a:t>Server-less chef operation</a:t>
+            </a:r>
+          </a:p>
+          <a:p>
+            <a:r>
+              <a:rPr lang="en-US" dirty="0" smtClean="0"/>
+              <a:t>Relies upon cookbooks, nodes, environments, </a:t>
+            </a:r>
+            <a:r>
+              <a:rPr lang="en-US" dirty="0" err="1" smtClean="0"/>
+              <a:t>etc</a:t>
+            </a:r>
+            <a:r>
+              <a:rPr lang="en-US" dirty="0" smtClean="0"/>
+              <a:t> being in the </a:t>
+            </a:r>
+            <a:r>
+              <a:rPr lang="en-US" dirty="0" err="1" smtClean="0"/>
+              <a:t>filesystem</a:t>
+            </a:r>
+            <a:endParaRPr lang="en-US" dirty="0" smtClean="0"/>
+          </a:p>
+          <a:p>
+            <a:r>
+              <a:rPr lang="en-US" dirty="0" smtClean="0"/>
+              <a:t>Configured via </a:t>
+            </a:r>
+            <a:r>
+              <a:rPr lang="en-US" dirty="0" err="1" smtClean="0"/>
+              <a:t>solo.rb</a:t>
+            </a:r>
+            <a:endParaRPr lang="en-US" dirty="0" smtClean="0"/>
+          </a:p>
+          <a:p>
+            <a:r>
+              <a:rPr lang="en-US" dirty="0" smtClean="0"/>
+              <a:t>Run chef, e.g.</a:t>
+            </a:r>
+          </a:p>
+          <a:p>
+            <a:pPr lvl="1"/>
+            <a:r>
+              <a:rPr lang="en-US" dirty="0" smtClean="0"/>
+              <a:t># chef-solo</a:t>
             </a:r>
             <a:endParaRPr lang="en-US" dirty="0"/>
           </a:p>
@@ -3643,7 +3752,7 @@
     </p:spTree>
     <p:extLst>
       <p:ext uri="{BB962C8B-B14F-4D97-AF65-F5344CB8AC3E}">
-        <p14:creationId xmlns:p14="http://schemas.microsoft.com/office/powerpoint/2010/main" val="353640819"/>
+        <p14:creationId xmlns:p14="http://schemas.microsoft.com/office/powerpoint/2010/main" val="570820692"/>
       </p:ext>
     </p:extLst>
   </p:cSld>
@@ -3687,6 +3796,348 @@
           <a:p>
             <a:r>
               <a:rPr lang="en-US" dirty="0" smtClean="0"/>
+              <a:t>Using knife</a:t>
+            </a:r>
+            <a:endParaRPr lang="en-US" dirty="0"/>
+          </a:p>
+        </p:txBody>
+      </p:sp>
+      <p:sp>
+        <p:nvSpPr>
+          <p:cNvPr id="3" name="Content Placeholder 2"/>
+          <p:cNvSpPr>
+            <a:spLocks noGrp="1"/>
+          </p:cNvSpPr>
+          <p:nvPr>
+            <p:ph idx="1"/>
+          </p:nvPr>
+        </p:nvSpPr>
+        <p:spPr/>
+        <p:txBody>
+          <a:bodyPr/>
+          <a:lstStyle/>
+          <a:p>
+            <a:r>
+              <a:rPr lang="en-US" dirty="0"/>
+              <a:t>k</a:t>
+            </a:r>
+            <a:r>
+              <a:rPr lang="en-US" dirty="0" smtClean="0"/>
+              <a:t>nife is the CLI tool for chef server</a:t>
+            </a:r>
+          </a:p>
+          <a:p>
+            <a:pPr lvl="1"/>
+            <a:r>
+              <a:rPr lang="en-US" dirty="0" smtClean="0"/>
+              <a:t>Requires a proper ruby setup, </a:t>
+            </a:r>
+            <a:r>
+              <a:rPr lang="en-US" dirty="0" err="1" smtClean="0"/>
+              <a:t>chefdk</a:t>
+            </a:r>
+            <a:r>
+              <a:rPr lang="en-US" dirty="0" smtClean="0"/>
+              <a:t> will take care of this</a:t>
+            </a:r>
+          </a:p>
+          <a:p>
+            <a:r>
+              <a:rPr lang="en-US" dirty="0" smtClean="0"/>
+              <a:t>Is configured via </a:t>
+            </a:r>
+            <a:r>
+              <a:rPr lang="en-US" dirty="0" err="1" smtClean="0"/>
+              <a:t>knife.rb</a:t>
+            </a:r>
+            <a:r>
+              <a:rPr lang="en-US" dirty="0" smtClean="0"/>
+              <a:t> in your .chef directory</a:t>
+            </a:r>
+          </a:p>
+          <a:p>
+            <a:r>
+              <a:rPr lang="en-US" dirty="0" smtClean="0"/>
+              <a:t>Supports plugins to do all kinds of things</a:t>
+            </a:r>
+          </a:p>
+          <a:p>
+            <a:pPr lvl="1"/>
+            <a:r>
+              <a:rPr lang="en-US" dirty="0" smtClean="0">
+                <a:hlinkClick r:id="rId2"/>
+              </a:rPr>
+              <a:t>https://docs.chef.io/community_plugin_knife.html</a:t>
+            </a:r>
+            <a:endParaRPr lang="en-US" dirty="0" smtClean="0"/>
+          </a:p>
+          <a:p>
+            <a:endParaRPr lang="en-US" dirty="0" smtClean="0"/>
+          </a:p>
+          <a:p>
+            <a:endParaRPr lang="en-US" dirty="0"/>
+          </a:p>
+        </p:txBody>
+      </p:sp>
+    </p:spTree>
+    <p:extLst>
+      <p:ext uri="{BB962C8B-B14F-4D97-AF65-F5344CB8AC3E}">
+        <p14:creationId xmlns:p14="http://schemas.microsoft.com/office/powerpoint/2010/main" val="1605346782"/>
+      </p:ext>
+    </p:extLst>
+  </p:cSld>
+  <p:clrMapOvr>
+    <a:masterClrMapping/>
+  </p:clrMapOvr>
+</p:sld>
+</file>
+
+<file path=ppt/slides/slide15.xml><?xml version="1.0" encoding="utf-8"?>
+<p:sld xmlns:a="http://schemas.openxmlformats.org/drawingml/2006/main" xmlns:r="http://schemas.openxmlformats.org/officeDocument/2006/relationships" xmlns:p="http://schemas.openxmlformats.org/presentationml/2006/main">
+  <p:cSld>
+    <p:spTree>
+      <p:nvGrpSpPr>
+        <p:cNvPr id="1" name=""/>
+        <p:cNvGrpSpPr/>
+        <p:nvPr/>
+      </p:nvGrpSpPr>
+      <p:grpSpPr>
+        <a:xfrm>
+          <a:off x="0" y="0"/>
+          <a:ext cx="0" cy="0"/>
+          <a:chOff x="0" y="0"/>
+          <a:chExt cx="0" cy="0"/>
+        </a:xfrm>
+      </p:grpSpPr>
+      <p:sp>
+        <p:nvSpPr>
+          <p:cNvPr id="2" name="Title 1"/>
+          <p:cNvSpPr>
+            <a:spLocks noGrp="1"/>
+          </p:cNvSpPr>
+          <p:nvPr>
+            <p:ph type="title"/>
+          </p:nvPr>
+        </p:nvSpPr>
+        <p:spPr/>
+        <p:txBody>
+          <a:bodyPr/>
+          <a:lstStyle/>
+          <a:p>
+            <a:r>
+              <a:rPr lang="en-US" dirty="0" smtClean="0"/>
+              <a:t>Some knife functionality	</a:t>
+            </a:r>
+            <a:endParaRPr lang="en-US" dirty="0"/>
+          </a:p>
+        </p:txBody>
+      </p:sp>
+      <p:sp>
+        <p:nvSpPr>
+          <p:cNvPr id="3" name="Content Placeholder 2"/>
+          <p:cNvSpPr>
+            <a:spLocks noGrp="1"/>
+          </p:cNvSpPr>
+          <p:nvPr>
+            <p:ph idx="1"/>
+          </p:nvPr>
+        </p:nvSpPr>
+        <p:spPr/>
+        <p:txBody>
+          <a:bodyPr/>
+          <a:lstStyle/>
+          <a:p>
+            <a:r>
+              <a:rPr lang="en-US" dirty="0"/>
+              <a:t>k</a:t>
+            </a:r>
+            <a:r>
+              <a:rPr lang="en-US" dirty="0" smtClean="0"/>
+              <a:t>nife search – find nodes matching a search</a:t>
+            </a:r>
+          </a:p>
+          <a:p>
+            <a:r>
+              <a:rPr lang="en-US" dirty="0"/>
+              <a:t>k</a:t>
+            </a:r>
+            <a:r>
+              <a:rPr lang="en-US" dirty="0" smtClean="0"/>
+              <a:t>nife </a:t>
+            </a:r>
+            <a:r>
+              <a:rPr lang="en-US" dirty="0" err="1" smtClean="0"/>
+              <a:t>ssh</a:t>
+            </a:r>
+            <a:r>
+              <a:rPr lang="en-US" dirty="0" smtClean="0"/>
+              <a:t> – run commands on hosts</a:t>
+            </a:r>
+          </a:p>
+          <a:p>
+            <a:r>
+              <a:rPr lang="en-US" dirty="0"/>
+              <a:t>k</a:t>
+            </a:r>
+            <a:r>
+              <a:rPr lang="en-US" dirty="0" smtClean="0"/>
+              <a:t>nife bootstrap – provision node</a:t>
+            </a:r>
+          </a:p>
+          <a:p>
+            <a:r>
+              <a:rPr lang="en-US" dirty="0" smtClean="0"/>
+              <a:t>Perform CRUD operations on cookbooks, environments, roles, data bags, etc.</a:t>
+            </a:r>
+            <a:endParaRPr lang="en-US" dirty="0"/>
+          </a:p>
+        </p:txBody>
+      </p:sp>
+    </p:spTree>
+    <p:extLst>
+      <p:ext uri="{BB962C8B-B14F-4D97-AF65-F5344CB8AC3E}">
+        <p14:creationId xmlns:p14="http://schemas.microsoft.com/office/powerpoint/2010/main" val="4064977777"/>
+      </p:ext>
+    </p:extLst>
+  </p:cSld>
+  <p:clrMapOvr>
+    <a:masterClrMapping/>
+  </p:clrMapOvr>
+</p:sld>
+</file>
+
+<file path=ppt/slides/slide16.xml><?xml version="1.0" encoding="utf-8"?>
+<p:sld xmlns:a="http://schemas.openxmlformats.org/drawingml/2006/main" xmlns:r="http://schemas.openxmlformats.org/officeDocument/2006/relationships" xmlns:p="http://schemas.openxmlformats.org/presentationml/2006/main">
+  <p:cSld>
+    <p:spTree>
+      <p:nvGrpSpPr>
+        <p:cNvPr id="1" name=""/>
+        <p:cNvGrpSpPr/>
+        <p:nvPr/>
+      </p:nvGrpSpPr>
+      <p:grpSpPr>
+        <a:xfrm>
+          <a:off x="0" y="0"/>
+          <a:ext cx="0" cy="0"/>
+          <a:chOff x="0" y="0"/>
+          <a:chExt cx="0" cy="0"/>
+        </a:xfrm>
+      </p:grpSpPr>
+      <p:sp>
+        <p:nvSpPr>
+          <p:cNvPr id="2" name="Title 1"/>
+          <p:cNvSpPr>
+            <a:spLocks noGrp="1"/>
+          </p:cNvSpPr>
+          <p:nvPr>
+            <p:ph type="title"/>
+          </p:nvPr>
+        </p:nvSpPr>
+        <p:spPr/>
+        <p:txBody>
+          <a:bodyPr/>
+          <a:lstStyle/>
+          <a:p>
+            <a:r>
+              <a:rPr lang="en-US" dirty="0" smtClean="0"/>
+              <a:t>Chef </a:t>
+            </a:r>
+            <a:r>
+              <a:rPr lang="en-US" dirty="0" smtClean="0"/>
+              <a:t>Concepts</a:t>
+            </a:r>
+            <a:endParaRPr lang="en-US" dirty="0"/>
+          </a:p>
+        </p:txBody>
+      </p:sp>
+      <p:sp>
+        <p:nvSpPr>
+          <p:cNvPr id="3" name="Content Placeholder 2"/>
+          <p:cNvSpPr>
+            <a:spLocks noGrp="1"/>
+          </p:cNvSpPr>
+          <p:nvPr>
+            <p:ph idx="1"/>
+          </p:nvPr>
+        </p:nvSpPr>
+        <p:spPr/>
+        <p:txBody>
+          <a:bodyPr/>
+          <a:lstStyle/>
+          <a:p>
+            <a:r>
+              <a:rPr lang="en-US" dirty="0" smtClean="0"/>
+              <a:t>Organization</a:t>
+            </a:r>
+          </a:p>
+          <a:p>
+            <a:r>
+              <a:rPr lang="en-US" dirty="0" smtClean="0"/>
+              <a:t>Environment</a:t>
+            </a:r>
+          </a:p>
+          <a:p>
+            <a:r>
+              <a:rPr lang="en-US" dirty="0" smtClean="0"/>
+              <a:t>Role</a:t>
+            </a:r>
+          </a:p>
+          <a:p>
+            <a:r>
+              <a:rPr lang="en-US" dirty="0" smtClean="0"/>
+              <a:t>Data bag (with encrypted variant)</a:t>
+            </a:r>
+            <a:endParaRPr lang="en-US" dirty="0"/>
+          </a:p>
+        </p:txBody>
+      </p:sp>
+    </p:spTree>
+    <p:extLst>
+      <p:ext uri="{BB962C8B-B14F-4D97-AF65-F5344CB8AC3E}">
+        <p14:creationId xmlns:p14="http://schemas.microsoft.com/office/powerpoint/2010/main" val="353640819"/>
+      </p:ext>
+    </p:extLst>
+  </p:cSld>
+  <p:clrMapOvr>
+    <a:masterClrMapping/>
+  </p:clrMapOvr>
+</p:sld>
+</file>
+
+<file path=ppt/slides/slide17.xml><?xml version="1.0" encoding="utf-8"?>
+<p:sld xmlns:a="http://schemas.openxmlformats.org/drawingml/2006/main" xmlns:r="http://schemas.openxmlformats.org/officeDocument/2006/relationships" xmlns:p="http://schemas.openxmlformats.org/presentationml/2006/main">
+  <p:cSld>
+    <p:spTree>
+      <p:nvGrpSpPr>
+        <p:cNvPr id="1" name=""/>
+        <p:cNvGrpSpPr/>
+        <p:nvPr/>
+      </p:nvGrpSpPr>
+      <p:grpSpPr>
+        <a:xfrm>
+          <a:off x="0" y="0"/>
+          <a:ext cx="0" cy="0"/>
+          <a:chOff x="0" y="0"/>
+          <a:chExt cx="0" cy="0"/>
+        </a:xfrm>
+      </p:grpSpPr>
+      <p:sp>
+        <p:nvSpPr>
+          <p:cNvPr id="2" name="Title 1"/>
+          <p:cNvSpPr>
+            <a:spLocks noGrp="1"/>
+          </p:cNvSpPr>
+          <p:nvPr>
+            <p:ph type="title"/>
+          </p:nvPr>
+        </p:nvSpPr>
+        <p:spPr/>
+        <p:txBody>
+          <a:bodyPr/>
+          <a:lstStyle/>
+          <a:p>
+            <a:r>
+              <a:rPr lang="en-US" dirty="0" smtClean="0"/>
               <a:t>Putting it all together..</a:t>
             </a:r>
             <a:endParaRPr lang="en-US" dirty="0"/>
@@ -3747,6 +4198,124 @@
     <p:extLst>
       <p:ext uri="{BB962C8B-B14F-4D97-AF65-F5344CB8AC3E}">
         <p14:creationId xmlns:p14="http://schemas.microsoft.com/office/powerpoint/2010/main" val="1146494504"/>
+      </p:ext>
+    </p:extLst>
+  </p:cSld>
+  <p:clrMapOvr>
+    <a:masterClrMapping/>
+  </p:clrMapOvr>
+</p:sld>
+</file>
+
+<file path=ppt/slides/slide18.xml><?xml version="1.0" encoding="utf-8"?>
+<p:sld xmlns:a="http://schemas.openxmlformats.org/drawingml/2006/main" xmlns:r="http://schemas.openxmlformats.org/officeDocument/2006/relationships" xmlns:p="http://schemas.openxmlformats.org/presentationml/2006/main">
+  <p:cSld>
+    <p:spTree>
+      <p:nvGrpSpPr>
+        <p:cNvPr id="1" name=""/>
+        <p:cNvGrpSpPr/>
+        <p:nvPr/>
+      </p:nvGrpSpPr>
+      <p:grpSpPr>
+        <a:xfrm>
+          <a:off x="0" y="0"/>
+          <a:ext cx="0" cy="0"/>
+          <a:chOff x="0" y="0"/>
+          <a:chExt cx="0" cy="0"/>
+        </a:xfrm>
+      </p:grpSpPr>
+      <p:sp>
+        <p:nvSpPr>
+          <p:cNvPr id="2" name="Title 1"/>
+          <p:cNvSpPr>
+            <a:spLocks noGrp="1"/>
+          </p:cNvSpPr>
+          <p:nvPr>
+            <p:ph type="title"/>
+          </p:nvPr>
+        </p:nvSpPr>
+        <p:spPr/>
+        <p:txBody>
+          <a:bodyPr/>
+          <a:lstStyle/>
+          <a:p>
+            <a:r>
+              <a:rPr lang="en-US" dirty="0" smtClean="0"/>
+              <a:t>Questions?</a:t>
+            </a:r>
+            <a:endParaRPr lang="en-US" dirty="0"/>
+          </a:p>
+        </p:txBody>
+      </p:sp>
+      <p:sp>
+        <p:nvSpPr>
+          <p:cNvPr id="3" name="Content Placeholder 2"/>
+          <p:cNvSpPr>
+            <a:spLocks noGrp="1"/>
+          </p:cNvSpPr>
+          <p:nvPr>
+            <p:ph idx="1"/>
+          </p:nvPr>
+        </p:nvSpPr>
+        <p:spPr/>
+        <p:txBody>
+          <a:bodyPr/>
+          <a:lstStyle/>
+          <a:p>
+            <a:r>
+              <a:rPr lang="en-US" dirty="0" smtClean="0"/>
+              <a:t>Lots of Internet resources, </a:t>
+            </a:r>
+            <a:r>
+              <a:rPr lang="en-US" dirty="0" err="1" smtClean="0"/>
+              <a:t>chef.io</a:t>
+            </a:r>
+            <a:r>
+              <a:rPr lang="en-US" dirty="0" smtClean="0"/>
+              <a:t> being the hub</a:t>
+            </a:r>
+          </a:p>
+          <a:p>
+            <a:r>
+              <a:rPr lang="en-US" dirty="0" smtClean="0"/>
+              <a:t>Session material:</a:t>
+            </a:r>
+          </a:p>
+          <a:p>
+            <a:pPr lvl="1"/>
+            <a:r>
+              <a:rPr lang="en-US" dirty="0" smtClean="0">
+                <a:hlinkClick r:id="rId2"/>
+              </a:rPr>
+              <a:t>https</a:t>
+            </a:r>
+            <a:r>
+              <a:rPr lang="en-US" dirty="0">
+                <a:hlinkClick r:id="rId2"/>
+              </a:rPr>
+              <a:t>://github.com/zvickery/bcc-</a:t>
+            </a:r>
+            <a:r>
+              <a:rPr lang="en-US" dirty="0" smtClean="0">
+                <a:hlinkClick r:id="rId2"/>
+              </a:rPr>
+              <a:t>2015</a:t>
+            </a:r>
+            <a:endParaRPr lang="en-US" dirty="0" smtClean="0"/>
+          </a:p>
+          <a:p>
+            <a:pPr lvl="1"/>
+            <a:endParaRPr lang="en-US" dirty="0"/>
+          </a:p>
+          <a:p>
+            <a:endParaRPr lang="en-US" dirty="0"/>
+          </a:p>
+        </p:txBody>
+      </p:sp>
+    </p:spTree>
+    <p:extLst>
+      <p:ext uri="{BB962C8B-B14F-4D97-AF65-F5344CB8AC3E}">
+        <p14:creationId xmlns:p14="http://schemas.microsoft.com/office/powerpoint/2010/main" val="2493211741"/>
       </p:ext>
     </p:extLst>
   </p:cSld>
@@ -4392,12 +4961,12 @@
               <a:t>In short, have a consistent strategy for where attributes get set to avoid complex </a:t>
             </a:r>
             <a:r>
-              <a:rPr lang="en-US" dirty="0" err="1" smtClean="0"/>
-              <a:t>precendence</a:t>
-            </a:r>
-            <a:r>
-              <a:rPr lang="en-US" dirty="0" smtClean="0"/>
-              <a:t> cases</a:t>
+              <a:rPr lang="en-US" dirty="0" smtClean="0"/>
+              <a:t>precedence </a:t>
+            </a:r>
+            <a:r>
+              <a:rPr lang="en-US" dirty="0" smtClean="0"/>
+              <a:t>cases</a:t>
             </a:r>
             <a:endParaRPr lang="en-US" dirty="0"/>
           </a:p>
@@ -4504,7 +5073,25 @@
             </a:r>
             <a:r>
               <a:rPr lang="en-US" dirty="0" smtClean="0"/>
-              <a:t> supports plugins for cloud providers</a:t>
+              <a:t> supports plugins for cloud </a:t>
+            </a:r>
+            <a:r>
+              <a:rPr lang="en-US" dirty="0" smtClean="0"/>
+              <a:t>providers (e.g. EC2)</a:t>
+            </a:r>
+          </a:p>
+          <a:p>
+            <a:r>
+              <a:rPr lang="en-US" dirty="0" smtClean="0"/>
+              <a:t>Run “</a:t>
+            </a:r>
+            <a:r>
+              <a:rPr lang="en-US" dirty="0" err="1" smtClean="0"/>
+              <a:t>ohai</a:t>
+            </a:r>
+            <a:r>
+              <a:rPr lang="en-US" dirty="0" smtClean="0"/>
+              <a:t>” to see what it provides</a:t>
             </a:r>
             <a:endParaRPr lang="en-US" dirty="0"/>
           </a:p>
